--- a/release/웹캠녹화매뉴얼_Handalab_ver1.0.pptx
+++ b/release/웹캠녹화매뉴얼_Handalab_ver1.0.pptx
@@ -9628,13 +9628,13 @@
               <a:t>년 </a:t>
             </a:r>
             <a:r>
-              <a:rPr lang="en-US" altLang="ko-KR" sz="900" dirty="0">
-                <a:latin typeface="+mn-ea"/>
-              </a:rPr>
-              <a:t>03</a:t>
-            </a:r>
-            <a:r>
-              <a:rPr lang="ko-KR" altLang="en-US" sz="900" dirty="0">
+              <a:rPr lang="en-US" altLang="ko-KR" sz="900">
+                <a:latin typeface="+mn-ea"/>
+              </a:rPr>
+              <a:t>07</a:t>
+            </a:r>
+            <a:r>
+              <a:rPr lang="ko-KR" altLang="en-US" sz="900">
                 <a:latin typeface="+mn-ea"/>
               </a:rPr>
               <a:t>월</a:t>
